--- a/ppt 16-9/0341.寻找.pptx
+++ b/ppt 16-9/0341.寻找.pptx
@@ -129,7 +129,7 @@
           <p:cNvPr id="2" name="标题 1">
             <a:extLst>
               <a:ext uri="{FF2B5EF4-FFF2-40B4-BE49-F238E27FC236}">
-                <a16:creationId xmlns:a16="http://schemas.microsoft.com/office/drawing/2014/main" id="{88AD352A-1A7C-079A-57BD-E0849CAB0AD3}"/>
+                <a16:creationId xmlns:a16="http://schemas.microsoft.com/office/drawing/2014/main" id="{D8380DCE-A92E-A66F-8291-B911A35498F2}"/>
               </a:ext>
             </a:extLst>
           </p:cNvPr>
@@ -166,7 +166,7 @@
           <p:cNvPr id="3" name="副标题 2">
             <a:extLst>
               <a:ext uri="{FF2B5EF4-FFF2-40B4-BE49-F238E27FC236}">
-                <a16:creationId xmlns:a16="http://schemas.microsoft.com/office/drawing/2014/main" id="{2015F743-26FF-0BE3-CBE6-2BE573CD067B}"/>
+                <a16:creationId xmlns:a16="http://schemas.microsoft.com/office/drawing/2014/main" id="{F27BAB64-354B-CB27-D33F-7005B1EC5AD4}"/>
               </a:ext>
             </a:extLst>
           </p:cNvPr>
@@ -236,7 +236,7 @@
           <p:cNvPr id="4" name="日期占位符 3">
             <a:extLst>
               <a:ext uri="{FF2B5EF4-FFF2-40B4-BE49-F238E27FC236}">
-                <a16:creationId xmlns:a16="http://schemas.microsoft.com/office/drawing/2014/main" id="{2E043AD1-938A-C801-3A7E-629C20C85BAA}"/>
+                <a16:creationId xmlns:a16="http://schemas.microsoft.com/office/drawing/2014/main" id="{BDCB5F50-2BC7-D24C-9255-DACC7F82CDBA}"/>
               </a:ext>
             </a:extLst>
           </p:cNvPr>
@@ -252,7 +252,7 @@
           <a:bodyPr/>
           <a:lstStyle/>
           <a:p>
-            <a:fld id="{A0DF93D2-AC9B-4089-A83C-A9A6B1110EE7}" type="datetimeFigureOut">
+            <a:fld id="{172AB63D-BF6A-4651-8988-F87633188804}" type="datetimeFigureOut">
               <a:rPr lang="zh-CN" altLang="en-US" smtClean="0"/>
               <a:t>2024/3/10</a:t>
             </a:fld>
@@ -265,7 +265,7 @@
           <p:cNvPr id="5" name="页脚占位符 4">
             <a:extLst>
               <a:ext uri="{FF2B5EF4-FFF2-40B4-BE49-F238E27FC236}">
-                <a16:creationId xmlns:a16="http://schemas.microsoft.com/office/drawing/2014/main" id="{49C807FE-6A41-5A7A-36ED-D6945E63C512}"/>
+                <a16:creationId xmlns:a16="http://schemas.microsoft.com/office/drawing/2014/main" id="{259DD455-25CB-8EE8-AC7D-0D3F7B5E3ACA}"/>
               </a:ext>
             </a:extLst>
           </p:cNvPr>
@@ -290,7 +290,7 @@
           <p:cNvPr id="6" name="灯片编号占位符 5">
             <a:extLst>
               <a:ext uri="{FF2B5EF4-FFF2-40B4-BE49-F238E27FC236}">
-                <a16:creationId xmlns:a16="http://schemas.microsoft.com/office/drawing/2014/main" id="{E19BC09B-63A6-9658-5CB9-9EB783778103}"/>
+                <a16:creationId xmlns:a16="http://schemas.microsoft.com/office/drawing/2014/main" id="{708C7911-5EA8-2D65-3B98-FB84DAE83011}"/>
               </a:ext>
             </a:extLst>
           </p:cNvPr>
@@ -306,7 +306,7 @@
           <a:bodyPr/>
           <a:lstStyle/>
           <a:p>
-            <a:fld id="{30EFA65A-D9CB-49B0-9390-7DD899EC0064}" type="slidenum">
+            <a:fld id="{4EDE8EE9-6EE3-4166-9227-6EDEEDEE6D54}" type="slidenum">
               <a:rPr lang="zh-CN" altLang="en-US" smtClean="0"/>
               <a:t>‹#›</a:t>
             </a:fld>
@@ -317,7 +317,7 @@
     </p:spTree>
     <p:extLst>
       <p:ext uri="{BB962C8B-B14F-4D97-AF65-F5344CB8AC3E}">
-        <p14:creationId xmlns:p14="http://schemas.microsoft.com/office/powerpoint/2010/main" val="3879113570"/>
+        <p14:creationId xmlns:p14="http://schemas.microsoft.com/office/powerpoint/2010/main" val="3050533634"/>
       </p:ext>
     </p:extLst>
   </p:cSld>
@@ -349,7 +349,7 @@
           <p:cNvPr id="2" name="标题 1">
             <a:extLst>
               <a:ext uri="{FF2B5EF4-FFF2-40B4-BE49-F238E27FC236}">
-                <a16:creationId xmlns:a16="http://schemas.microsoft.com/office/drawing/2014/main" id="{93B29D57-BDC3-DE98-3375-DEDE0119FD94}"/>
+                <a16:creationId xmlns:a16="http://schemas.microsoft.com/office/drawing/2014/main" id="{53458BA3-560E-231F-30B0-C1D29FA7F4B6}"/>
               </a:ext>
             </a:extLst>
           </p:cNvPr>
@@ -377,7 +377,7 @@
           <p:cNvPr id="3" name="竖排文字占位符 2">
             <a:extLst>
               <a:ext uri="{FF2B5EF4-FFF2-40B4-BE49-F238E27FC236}">
-                <a16:creationId xmlns:a16="http://schemas.microsoft.com/office/drawing/2014/main" id="{6E5822F0-C342-7CA6-1201-2B6336F98AF7}"/>
+                <a16:creationId xmlns:a16="http://schemas.microsoft.com/office/drawing/2014/main" id="{20EF95FE-E201-3787-F7C1-FBCAF060D458}"/>
               </a:ext>
             </a:extLst>
           </p:cNvPr>
@@ -434,7 +434,7 @@
           <p:cNvPr id="4" name="日期占位符 3">
             <a:extLst>
               <a:ext uri="{FF2B5EF4-FFF2-40B4-BE49-F238E27FC236}">
-                <a16:creationId xmlns:a16="http://schemas.microsoft.com/office/drawing/2014/main" id="{1E03D15D-AF31-C817-26F4-8B580B7D369D}"/>
+                <a16:creationId xmlns:a16="http://schemas.microsoft.com/office/drawing/2014/main" id="{29AA06C2-F4AE-0DFF-2F28-D3F5E7077F2F}"/>
               </a:ext>
             </a:extLst>
           </p:cNvPr>
@@ -450,7 +450,7 @@
           <a:bodyPr/>
           <a:lstStyle/>
           <a:p>
-            <a:fld id="{A0DF93D2-AC9B-4089-A83C-A9A6B1110EE7}" type="datetimeFigureOut">
+            <a:fld id="{172AB63D-BF6A-4651-8988-F87633188804}" type="datetimeFigureOut">
               <a:rPr lang="zh-CN" altLang="en-US" smtClean="0"/>
               <a:t>2024/3/10</a:t>
             </a:fld>
@@ -463,7 +463,7 @@
           <p:cNvPr id="5" name="页脚占位符 4">
             <a:extLst>
               <a:ext uri="{FF2B5EF4-FFF2-40B4-BE49-F238E27FC236}">
-                <a16:creationId xmlns:a16="http://schemas.microsoft.com/office/drawing/2014/main" id="{A766C589-1B68-83D2-477D-755D596D9D1A}"/>
+                <a16:creationId xmlns:a16="http://schemas.microsoft.com/office/drawing/2014/main" id="{E5CCE9CF-A090-5915-E126-8B28437A663E}"/>
               </a:ext>
             </a:extLst>
           </p:cNvPr>
@@ -488,7 +488,7 @@
           <p:cNvPr id="6" name="灯片编号占位符 5">
             <a:extLst>
               <a:ext uri="{FF2B5EF4-FFF2-40B4-BE49-F238E27FC236}">
-                <a16:creationId xmlns:a16="http://schemas.microsoft.com/office/drawing/2014/main" id="{C26B4D5E-53C1-E666-9463-A01B68D45B72}"/>
+                <a16:creationId xmlns:a16="http://schemas.microsoft.com/office/drawing/2014/main" id="{22B0D3F2-DCF9-868D-C32A-AA7BA3532E1B}"/>
               </a:ext>
             </a:extLst>
           </p:cNvPr>
@@ -504,7 +504,7 @@
           <a:bodyPr/>
           <a:lstStyle/>
           <a:p>
-            <a:fld id="{30EFA65A-D9CB-49B0-9390-7DD899EC0064}" type="slidenum">
+            <a:fld id="{4EDE8EE9-6EE3-4166-9227-6EDEEDEE6D54}" type="slidenum">
               <a:rPr lang="zh-CN" altLang="en-US" smtClean="0"/>
               <a:t>‹#›</a:t>
             </a:fld>
@@ -515,7 +515,7 @@
     </p:spTree>
     <p:extLst>
       <p:ext uri="{BB962C8B-B14F-4D97-AF65-F5344CB8AC3E}">
-        <p14:creationId xmlns:p14="http://schemas.microsoft.com/office/powerpoint/2010/main" val="202388150"/>
+        <p14:creationId xmlns:p14="http://schemas.microsoft.com/office/powerpoint/2010/main" val="3679403088"/>
       </p:ext>
     </p:extLst>
   </p:cSld>
@@ -547,7 +547,7 @@
           <p:cNvPr id="2" name="竖排标题 1">
             <a:extLst>
               <a:ext uri="{FF2B5EF4-FFF2-40B4-BE49-F238E27FC236}">
-                <a16:creationId xmlns:a16="http://schemas.microsoft.com/office/drawing/2014/main" id="{8E2F6E66-12C2-2683-C9C9-79389B55DAA9}"/>
+                <a16:creationId xmlns:a16="http://schemas.microsoft.com/office/drawing/2014/main" id="{A9AFC5AC-671E-521C-9BA9-90587A27C601}"/>
               </a:ext>
             </a:extLst>
           </p:cNvPr>
@@ -580,7 +580,7 @@
           <p:cNvPr id="3" name="竖排文字占位符 2">
             <a:extLst>
               <a:ext uri="{FF2B5EF4-FFF2-40B4-BE49-F238E27FC236}">
-                <a16:creationId xmlns:a16="http://schemas.microsoft.com/office/drawing/2014/main" id="{00EFA7F5-17E9-921D-14F5-EBC7EDFE6509}"/>
+                <a16:creationId xmlns:a16="http://schemas.microsoft.com/office/drawing/2014/main" id="{E1730ED7-3419-2846-09F0-AE3A1CE6E3CA}"/>
               </a:ext>
             </a:extLst>
           </p:cNvPr>
@@ -642,7 +642,7 @@
           <p:cNvPr id="4" name="日期占位符 3">
             <a:extLst>
               <a:ext uri="{FF2B5EF4-FFF2-40B4-BE49-F238E27FC236}">
-                <a16:creationId xmlns:a16="http://schemas.microsoft.com/office/drawing/2014/main" id="{A647F6D5-5AFF-20E8-2305-D35F65E479EA}"/>
+                <a16:creationId xmlns:a16="http://schemas.microsoft.com/office/drawing/2014/main" id="{E8C98474-6EFD-9341-65D3-F875F6D04CC2}"/>
               </a:ext>
             </a:extLst>
           </p:cNvPr>
@@ -658,7 +658,7 @@
           <a:bodyPr/>
           <a:lstStyle/>
           <a:p>
-            <a:fld id="{A0DF93D2-AC9B-4089-A83C-A9A6B1110EE7}" type="datetimeFigureOut">
+            <a:fld id="{172AB63D-BF6A-4651-8988-F87633188804}" type="datetimeFigureOut">
               <a:rPr lang="zh-CN" altLang="en-US" smtClean="0"/>
               <a:t>2024/3/10</a:t>
             </a:fld>
@@ -671,7 +671,7 @@
           <p:cNvPr id="5" name="页脚占位符 4">
             <a:extLst>
               <a:ext uri="{FF2B5EF4-FFF2-40B4-BE49-F238E27FC236}">
-                <a16:creationId xmlns:a16="http://schemas.microsoft.com/office/drawing/2014/main" id="{12BEEAF2-8B22-43D9-7383-DCF5269AEBE8}"/>
+                <a16:creationId xmlns:a16="http://schemas.microsoft.com/office/drawing/2014/main" id="{0628201D-120E-F558-B414-4604FCB4D59F}"/>
               </a:ext>
             </a:extLst>
           </p:cNvPr>
@@ -696,7 +696,7 @@
           <p:cNvPr id="6" name="灯片编号占位符 5">
             <a:extLst>
               <a:ext uri="{FF2B5EF4-FFF2-40B4-BE49-F238E27FC236}">
-                <a16:creationId xmlns:a16="http://schemas.microsoft.com/office/drawing/2014/main" id="{00F81106-B53F-207A-507C-6156A828AFF3}"/>
+                <a16:creationId xmlns:a16="http://schemas.microsoft.com/office/drawing/2014/main" id="{F3A7B290-1412-78A4-6820-9F5272C94FEC}"/>
               </a:ext>
             </a:extLst>
           </p:cNvPr>
@@ -712,7 +712,7 @@
           <a:bodyPr/>
           <a:lstStyle/>
           <a:p>
-            <a:fld id="{30EFA65A-D9CB-49B0-9390-7DD899EC0064}" type="slidenum">
+            <a:fld id="{4EDE8EE9-6EE3-4166-9227-6EDEEDEE6D54}" type="slidenum">
               <a:rPr lang="zh-CN" altLang="en-US" smtClean="0"/>
               <a:t>‹#›</a:t>
             </a:fld>
@@ -723,7 +723,7 @@
     </p:spTree>
     <p:extLst>
       <p:ext uri="{BB962C8B-B14F-4D97-AF65-F5344CB8AC3E}">
-        <p14:creationId xmlns:p14="http://schemas.microsoft.com/office/powerpoint/2010/main" val="972739658"/>
+        <p14:creationId xmlns:p14="http://schemas.microsoft.com/office/powerpoint/2010/main" val="1466505628"/>
       </p:ext>
     </p:extLst>
   </p:cSld>
@@ -755,7 +755,7 @@
           <p:cNvPr id="2" name="标题 1">
             <a:extLst>
               <a:ext uri="{FF2B5EF4-FFF2-40B4-BE49-F238E27FC236}">
-                <a16:creationId xmlns:a16="http://schemas.microsoft.com/office/drawing/2014/main" id="{47A29BEC-5A1A-E724-515F-81CB44605557}"/>
+                <a16:creationId xmlns:a16="http://schemas.microsoft.com/office/drawing/2014/main" id="{F4BC0D50-93BC-3E40-0FE0-0D5D2E6224D7}"/>
               </a:ext>
             </a:extLst>
           </p:cNvPr>
@@ -783,7 +783,7 @@
           <p:cNvPr id="3" name="内容占位符 2">
             <a:extLst>
               <a:ext uri="{FF2B5EF4-FFF2-40B4-BE49-F238E27FC236}">
-                <a16:creationId xmlns:a16="http://schemas.microsoft.com/office/drawing/2014/main" id="{A1BF8300-EE07-D480-83B4-875A4D9FE968}"/>
+                <a16:creationId xmlns:a16="http://schemas.microsoft.com/office/drawing/2014/main" id="{488B0CE2-409E-7490-9AC3-DF356600C162}"/>
               </a:ext>
             </a:extLst>
           </p:cNvPr>
@@ -840,7 +840,7 @@
           <p:cNvPr id="4" name="日期占位符 3">
             <a:extLst>
               <a:ext uri="{FF2B5EF4-FFF2-40B4-BE49-F238E27FC236}">
-                <a16:creationId xmlns:a16="http://schemas.microsoft.com/office/drawing/2014/main" id="{10F4A9DD-D595-40B5-E160-61068C05894F}"/>
+                <a16:creationId xmlns:a16="http://schemas.microsoft.com/office/drawing/2014/main" id="{F81049E9-EFC7-8AD9-56F1-2B3840FC7959}"/>
               </a:ext>
             </a:extLst>
           </p:cNvPr>
@@ -856,7 +856,7 @@
           <a:bodyPr/>
           <a:lstStyle/>
           <a:p>
-            <a:fld id="{A0DF93D2-AC9B-4089-A83C-A9A6B1110EE7}" type="datetimeFigureOut">
+            <a:fld id="{172AB63D-BF6A-4651-8988-F87633188804}" type="datetimeFigureOut">
               <a:rPr lang="zh-CN" altLang="en-US" smtClean="0"/>
               <a:t>2024/3/10</a:t>
             </a:fld>
@@ -869,7 +869,7 @@
           <p:cNvPr id="5" name="页脚占位符 4">
             <a:extLst>
               <a:ext uri="{FF2B5EF4-FFF2-40B4-BE49-F238E27FC236}">
-                <a16:creationId xmlns:a16="http://schemas.microsoft.com/office/drawing/2014/main" id="{E3265F18-94EF-3119-8D34-C820A3996459}"/>
+                <a16:creationId xmlns:a16="http://schemas.microsoft.com/office/drawing/2014/main" id="{8892D965-548E-1236-8047-3EF10ED54078}"/>
               </a:ext>
             </a:extLst>
           </p:cNvPr>
@@ -894,7 +894,7 @@
           <p:cNvPr id="6" name="灯片编号占位符 5">
             <a:extLst>
               <a:ext uri="{FF2B5EF4-FFF2-40B4-BE49-F238E27FC236}">
-                <a16:creationId xmlns:a16="http://schemas.microsoft.com/office/drawing/2014/main" id="{7B586AFE-509A-6A1B-86A3-2E33BFD7EB78}"/>
+                <a16:creationId xmlns:a16="http://schemas.microsoft.com/office/drawing/2014/main" id="{CD100572-E0F6-B4D6-98B3-F165934C90D9}"/>
               </a:ext>
             </a:extLst>
           </p:cNvPr>
@@ -910,7 +910,7 @@
           <a:bodyPr/>
           <a:lstStyle/>
           <a:p>
-            <a:fld id="{30EFA65A-D9CB-49B0-9390-7DD899EC0064}" type="slidenum">
+            <a:fld id="{4EDE8EE9-6EE3-4166-9227-6EDEEDEE6D54}" type="slidenum">
               <a:rPr lang="zh-CN" altLang="en-US" smtClean="0"/>
               <a:t>‹#›</a:t>
             </a:fld>
@@ -921,7 +921,7 @@
     </p:spTree>
     <p:extLst>
       <p:ext uri="{BB962C8B-B14F-4D97-AF65-F5344CB8AC3E}">
-        <p14:creationId xmlns:p14="http://schemas.microsoft.com/office/powerpoint/2010/main" val="1602436719"/>
+        <p14:creationId xmlns:p14="http://schemas.microsoft.com/office/powerpoint/2010/main" val="3690343791"/>
       </p:ext>
     </p:extLst>
   </p:cSld>
@@ -953,7 +953,7 @@
           <p:cNvPr id="2" name="标题 1">
             <a:extLst>
               <a:ext uri="{FF2B5EF4-FFF2-40B4-BE49-F238E27FC236}">
-                <a16:creationId xmlns:a16="http://schemas.microsoft.com/office/drawing/2014/main" id="{E9A9A369-39D3-5E90-0EB4-3FA3CA05528B}"/>
+                <a16:creationId xmlns:a16="http://schemas.microsoft.com/office/drawing/2014/main" id="{CA09FFB6-5EBE-6DB6-67B8-67F4BA21102D}"/>
               </a:ext>
             </a:extLst>
           </p:cNvPr>
@@ -990,7 +990,7 @@
           <p:cNvPr id="3" name="文本占位符 2">
             <a:extLst>
               <a:ext uri="{FF2B5EF4-FFF2-40B4-BE49-F238E27FC236}">
-                <a16:creationId xmlns:a16="http://schemas.microsoft.com/office/drawing/2014/main" id="{C877D139-B02C-EEF6-626D-A0FF8A4A3AC5}"/>
+                <a16:creationId xmlns:a16="http://schemas.microsoft.com/office/drawing/2014/main" id="{A78816D1-910F-FA42-DBFD-181B68F28A47}"/>
               </a:ext>
             </a:extLst>
           </p:cNvPr>
@@ -1115,7 +1115,7 @@
           <p:cNvPr id="4" name="日期占位符 3">
             <a:extLst>
               <a:ext uri="{FF2B5EF4-FFF2-40B4-BE49-F238E27FC236}">
-                <a16:creationId xmlns:a16="http://schemas.microsoft.com/office/drawing/2014/main" id="{CF71999E-9096-79CF-AC3E-8B63E416C0B3}"/>
+                <a16:creationId xmlns:a16="http://schemas.microsoft.com/office/drawing/2014/main" id="{1800F8E6-47FD-55FA-6760-8DDFACDA41C3}"/>
               </a:ext>
             </a:extLst>
           </p:cNvPr>
@@ -1131,7 +1131,7 @@
           <a:bodyPr/>
           <a:lstStyle/>
           <a:p>
-            <a:fld id="{A0DF93D2-AC9B-4089-A83C-A9A6B1110EE7}" type="datetimeFigureOut">
+            <a:fld id="{172AB63D-BF6A-4651-8988-F87633188804}" type="datetimeFigureOut">
               <a:rPr lang="zh-CN" altLang="en-US" smtClean="0"/>
               <a:t>2024/3/10</a:t>
             </a:fld>
@@ -1144,7 +1144,7 @@
           <p:cNvPr id="5" name="页脚占位符 4">
             <a:extLst>
               <a:ext uri="{FF2B5EF4-FFF2-40B4-BE49-F238E27FC236}">
-                <a16:creationId xmlns:a16="http://schemas.microsoft.com/office/drawing/2014/main" id="{0144BD0E-126E-6FB9-C12B-9B5BEC6BDEF5}"/>
+                <a16:creationId xmlns:a16="http://schemas.microsoft.com/office/drawing/2014/main" id="{31666C92-AAA1-8841-EA18-87A7B94C7835}"/>
               </a:ext>
             </a:extLst>
           </p:cNvPr>
@@ -1169,7 +1169,7 @@
           <p:cNvPr id="6" name="灯片编号占位符 5">
             <a:extLst>
               <a:ext uri="{FF2B5EF4-FFF2-40B4-BE49-F238E27FC236}">
-                <a16:creationId xmlns:a16="http://schemas.microsoft.com/office/drawing/2014/main" id="{AEBD4D02-C3D8-8AB1-CA50-DD3A291A82C8}"/>
+                <a16:creationId xmlns:a16="http://schemas.microsoft.com/office/drawing/2014/main" id="{C0127B18-72A0-1E0B-4351-D7CF7D91C006}"/>
               </a:ext>
             </a:extLst>
           </p:cNvPr>
@@ -1185,7 +1185,7 @@
           <a:bodyPr/>
           <a:lstStyle/>
           <a:p>
-            <a:fld id="{30EFA65A-D9CB-49B0-9390-7DD899EC0064}" type="slidenum">
+            <a:fld id="{4EDE8EE9-6EE3-4166-9227-6EDEEDEE6D54}" type="slidenum">
               <a:rPr lang="zh-CN" altLang="en-US" smtClean="0"/>
               <a:t>‹#›</a:t>
             </a:fld>
@@ -1196,7 +1196,7 @@
     </p:spTree>
     <p:extLst>
       <p:ext uri="{BB962C8B-B14F-4D97-AF65-F5344CB8AC3E}">
-        <p14:creationId xmlns:p14="http://schemas.microsoft.com/office/powerpoint/2010/main" val="3242463215"/>
+        <p14:creationId xmlns:p14="http://schemas.microsoft.com/office/powerpoint/2010/main" val="3568805286"/>
       </p:ext>
     </p:extLst>
   </p:cSld>
@@ -1228,7 +1228,7 @@
           <p:cNvPr id="2" name="标题 1">
             <a:extLst>
               <a:ext uri="{FF2B5EF4-FFF2-40B4-BE49-F238E27FC236}">
-                <a16:creationId xmlns:a16="http://schemas.microsoft.com/office/drawing/2014/main" id="{E0B64BCE-5285-602C-9E7B-E703DE379113}"/>
+                <a16:creationId xmlns:a16="http://schemas.microsoft.com/office/drawing/2014/main" id="{2FB627B9-6EE4-D685-F196-805EB439DA05}"/>
               </a:ext>
             </a:extLst>
           </p:cNvPr>
@@ -1256,7 +1256,7 @@
           <p:cNvPr id="3" name="内容占位符 2">
             <a:extLst>
               <a:ext uri="{FF2B5EF4-FFF2-40B4-BE49-F238E27FC236}">
-                <a16:creationId xmlns:a16="http://schemas.microsoft.com/office/drawing/2014/main" id="{01B1F486-CD51-B409-FDBF-EE5297E59BCE}"/>
+                <a16:creationId xmlns:a16="http://schemas.microsoft.com/office/drawing/2014/main" id="{04E9882C-8DD8-AD90-E358-2123B4BAB5E3}"/>
               </a:ext>
             </a:extLst>
           </p:cNvPr>
@@ -1318,7 +1318,7 @@
           <p:cNvPr id="4" name="内容占位符 3">
             <a:extLst>
               <a:ext uri="{FF2B5EF4-FFF2-40B4-BE49-F238E27FC236}">
-                <a16:creationId xmlns:a16="http://schemas.microsoft.com/office/drawing/2014/main" id="{BA880831-F17A-E1CE-F28E-CE9FD62CE689}"/>
+                <a16:creationId xmlns:a16="http://schemas.microsoft.com/office/drawing/2014/main" id="{70FFB8A7-2D68-B650-FB93-E0A02B112867}"/>
               </a:ext>
             </a:extLst>
           </p:cNvPr>
@@ -1380,7 +1380,7 @@
           <p:cNvPr id="5" name="日期占位符 4">
             <a:extLst>
               <a:ext uri="{FF2B5EF4-FFF2-40B4-BE49-F238E27FC236}">
-                <a16:creationId xmlns:a16="http://schemas.microsoft.com/office/drawing/2014/main" id="{01FB43AF-504E-5ED5-9CBE-C9DF37703865}"/>
+                <a16:creationId xmlns:a16="http://schemas.microsoft.com/office/drawing/2014/main" id="{98D58052-D501-6701-E3D5-1D137C7310AE}"/>
               </a:ext>
             </a:extLst>
           </p:cNvPr>
@@ -1396,7 +1396,7 @@
           <a:bodyPr/>
           <a:lstStyle/>
           <a:p>
-            <a:fld id="{A0DF93D2-AC9B-4089-A83C-A9A6B1110EE7}" type="datetimeFigureOut">
+            <a:fld id="{172AB63D-BF6A-4651-8988-F87633188804}" type="datetimeFigureOut">
               <a:rPr lang="zh-CN" altLang="en-US" smtClean="0"/>
               <a:t>2024/3/10</a:t>
             </a:fld>
@@ -1409,7 +1409,7 @@
           <p:cNvPr id="6" name="页脚占位符 5">
             <a:extLst>
               <a:ext uri="{FF2B5EF4-FFF2-40B4-BE49-F238E27FC236}">
-                <a16:creationId xmlns:a16="http://schemas.microsoft.com/office/drawing/2014/main" id="{583AC45F-8CD0-5852-B975-1771529854A9}"/>
+                <a16:creationId xmlns:a16="http://schemas.microsoft.com/office/drawing/2014/main" id="{E4FD9651-CB9D-B8FB-946F-A1B182FFD150}"/>
               </a:ext>
             </a:extLst>
           </p:cNvPr>
@@ -1434,7 +1434,7 @@
           <p:cNvPr id="7" name="灯片编号占位符 6">
             <a:extLst>
               <a:ext uri="{FF2B5EF4-FFF2-40B4-BE49-F238E27FC236}">
-                <a16:creationId xmlns:a16="http://schemas.microsoft.com/office/drawing/2014/main" id="{A7F4A585-EC56-E527-4033-F6DCAF9E78F6}"/>
+                <a16:creationId xmlns:a16="http://schemas.microsoft.com/office/drawing/2014/main" id="{4D5677A4-D0BA-5DF1-A19E-9EED50A1408D}"/>
               </a:ext>
             </a:extLst>
           </p:cNvPr>
@@ -1450,7 +1450,7 @@
           <a:bodyPr/>
           <a:lstStyle/>
           <a:p>
-            <a:fld id="{30EFA65A-D9CB-49B0-9390-7DD899EC0064}" type="slidenum">
+            <a:fld id="{4EDE8EE9-6EE3-4166-9227-6EDEEDEE6D54}" type="slidenum">
               <a:rPr lang="zh-CN" altLang="en-US" smtClean="0"/>
               <a:t>‹#›</a:t>
             </a:fld>
@@ -1461,7 +1461,7 @@
     </p:spTree>
     <p:extLst>
       <p:ext uri="{BB962C8B-B14F-4D97-AF65-F5344CB8AC3E}">
-        <p14:creationId xmlns:p14="http://schemas.microsoft.com/office/powerpoint/2010/main" val="1559935845"/>
+        <p14:creationId xmlns:p14="http://schemas.microsoft.com/office/powerpoint/2010/main" val="3576480976"/>
       </p:ext>
     </p:extLst>
   </p:cSld>
@@ -1493,7 +1493,7 @@
           <p:cNvPr id="2" name="标题 1">
             <a:extLst>
               <a:ext uri="{FF2B5EF4-FFF2-40B4-BE49-F238E27FC236}">
-                <a16:creationId xmlns:a16="http://schemas.microsoft.com/office/drawing/2014/main" id="{28972A51-38D2-0A38-099B-3A15E8FF40FF}"/>
+                <a16:creationId xmlns:a16="http://schemas.microsoft.com/office/drawing/2014/main" id="{4EF4EFE9-D691-DF1E-D1E4-44C6BECDDE21}"/>
               </a:ext>
             </a:extLst>
           </p:cNvPr>
@@ -1526,7 +1526,7 @@
           <p:cNvPr id="3" name="文本占位符 2">
             <a:extLst>
               <a:ext uri="{FF2B5EF4-FFF2-40B4-BE49-F238E27FC236}">
-                <a16:creationId xmlns:a16="http://schemas.microsoft.com/office/drawing/2014/main" id="{D5847E9C-2855-1186-F9F2-3BB9BB074FE9}"/>
+                <a16:creationId xmlns:a16="http://schemas.microsoft.com/office/drawing/2014/main" id="{2FA167BD-5C47-C145-AA8F-D6BEC8F31849}"/>
               </a:ext>
             </a:extLst>
           </p:cNvPr>
@@ -1597,7 +1597,7 @@
           <p:cNvPr id="4" name="内容占位符 3">
             <a:extLst>
               <a:ext uri="{FF2B5EF4-FFF2-40B4-BE49-F238E27FC236}">
-                <a16:creationId xmlns:a16="http://schemas.microsoft.com/office/drawing/2014/main" id="{D3B3F2AD-4BB6-4DEA-2DA5-676C7E0EE2C7}"/>
+                <a16:creationId xmlns:a16="http://schemas.microsoft.com/office/drawing/2014/main" id="{671DEF7B-53F0-1AEC-D938-259EB808546B}"/>
               </a:ext>
             </a:extLst>
           </p:cNvPr>
@@ -1659,7 +1659,7 @@
           <p:cNvPr id="5" name="文本占位符 4">
             <a:extLst>
               <a:ext uri="{FF2B5EF4-FFF2-40B4-BE49-F238E27FC236}">
-                <a16:creationId xmlns:a16="http://schemas.microsoft.com/office/drawing/2014/main" id="{D88DC85E-E4ED-041B-8E1F-239F1020EE06}"/>
+                <a16:creationId xmlns:a16="http://schemas.microsoft.com/office/drawing/2014/main" id="{733DBC0F-A43E-1C73-2D11-5B21CB0EF120}"/>
               </a:ext>
             </a:extLst>
           </p:cNvPr>
@@ -1730,7 +1730,7 @@
           <p:cNvPr id="6" name="内容占位符 5">
             <a:extLst>
               <a:ext uri="{FF2B5EF4-FFF2-40B4-BE49-F238E27FC236}">
-                <a16:creationId xmlns:a16="http://schemas.microsoft.com/office/drawing/2014/main" id="{5574C49E-B565-C13D-BB4A-CF1B2DCD7DF1}"/>
+                <a16:creationId xmlns:a16="http://schemas.microsoft.com/office/drawing/2014/main" id="{492B39F4-0289-6204-9940-22FC0C8DFFFF}"/>
               </a:ext>
             </a:extLst>
           </p:cNvPr>
@@ -1792,7 +1792,7 @@
           <p:cNvPr id="7" name="日期占位符 6">
             <a:extLst>
               <a:ext uri="{FF2B5EF4-FFF2-40B4-BE49-F238E27FC236}">
-                <a16:creationId xmlns:a16="http://schemas.microsoft.com/office/drawing/2014/main" id="{ADDB467F-E52C-D50D-1D47-9F5C3472E3F9}"/>
+                <a16:creationId xmlns:a16="http://schemas.microsoft.com/office/drawing/2014/main" id="{AB0A14E2-6D03-D06F-CFC1-C7256F9C5C35}"/>
               </a:ext>
             </a:extLst>
           </p:cNvPr>
@@ -1808,7 +1808,7 @@
           <a:bodyPr/>
           <a:lstStyle/>
           <a:p>
-            <a:fld id="{A0DF93D2-AC9B-4089-A83C-A9A6B1110EE7}" type="datetimeFigureOut">
+            <a:fld id="{172AB63D-BF6A-4651-8988-F87633188804}" type="datetimeFigureOut">
               <a:rPr lang="zh-CN" altLang="en-US" smtClean="0"/>
               <a:t>2024/3/10</a:t>
             </a:fld>
@@ -1821,7 +1821,7 @@
           <p:cNvPr id="8" name="页脚占位符 7">
             <a:extLst>
               <a:ext uri="{FF2B5EF4-FFF2-40B4-BE49-F238E27FC236}">
-                <a16:creationId xmlns:a16="http://schemas.microsoft.com/office/drawing/2014/main" id="{184D1E98-CD34-AF02-A385-5EE5BB1D46AB}"/>
+                <a16:creationId xmlns:a16="http://schemas.microsoft.com/office/drawing/2014/main" id="{018B34BB-2417-6CB2-EA3E-990BCC3E6B99}"/>
               </a:ext>
             </a:extLst>
           </p:cNvPr>
@@ -1846,7 +1846,7 @@
           <p:cNvPr id="9" name="灯片编号占位符 8">
             <a:extLst>
               <a:ext uri="{FF2B5EF4-FFF2-40B4-BE49-F238E27FC236}">
-                <a16:creationId xmlns:a16="http://schemas.microsoft.com/office/drawing/2014/main" id="{602D5709-26CD-EFD8-3ACC-C9B3C06FF938}"/>
+                <a16:creationId xmlns:a16="http://schemas.microsoft.com/office/drawing/2014/main" id="{43B25C0C-AEC9-BBB3-4028-F569FC77305C}"/>
               </a:ext>
             </a:extLst>
           </p:cNvPr>
@@ -1862,7 +1862,7 @@
           <a:bodyPr/>
           <a:lstStyle/>
           <a:p>
-            <a:fld id="{30EFA65A-D9CB-49B0-9390-7DD899EC0064}" type="slidenum">
+            <a:fld id="{4EDE8EE9-6EE3-4166-9227-6EDEEDEE6D54}" type="slidenum">
               <a:rPr lang="zh-CN" altLang="en-US" smtClean="0"/>
               <a:t>‹#›</a:t>
             </a:fld>
@@ -1873,7 +1873,7 @@
     </p:spTree>
     <p:extLst>
       <p:ext uri="{BB962C8B-B14F-4D97-AF65-F5344CB8AC3E}">
-        <p14:creationId xmlns:p14="http://schemas.microsoft.com/office/powerpoint/2010/main" val="36868053"/>
+        <p14:creationId xmlns:p14="http://schemas.microsoft.com/office/powerpoint/2010/main" val="1936736007"/>
       </p:ext>
     </p:extLst>
   </p:cSld>
@@ -1905,7 +1905,7 @@
           <p:cNvPr id="2" name="标题 1">
             <a:extLst>
               <a:ext uri="{FF2B5EF4-FFF2-40B4-BE49-F238E27FC236}">
-                <a16:creationId xmlns:a16="http://schemas.microsoft.com/office/drawing/2014/main" id="{45310974-D0F0-9E96-204B-4F04BFEB61D1}"/>
+                <a16:creationId xmlns:a16="http://schemas.microsoft.com/office/drawing/2014/main" id="{7E10385D-3D28-3658-9340-CD7008B1D207}"/>
               </a:ext>
             </a:extLst>
           </p:cNvPr>
@@ -1933,7 +1933,7 @@
           <p:cNvPr id="3" name="日期占位符 2">
             <a:extLst>
               <a:ext uri="{FF2B5EF4-FFF2-40B4-BE49-F238E27FC236}">
-                <a16:creationId xmlns:a16="http://schemas.microsoft.com/office/drawing/2014/main" id="{3976E9AA-3BCD-A48D-D213-D10B905BBDFC}"/>
+                <a16:creationId xmlns:a16="http://schemas.microsoft.com/office/drawing/2014/main" id="{C99E4B24-E049-267E-9799-91760847CBBE}"/>
               </a:ext>
             </a:extLst>
           </p:cNvPr>
@@ -1949,7 +1949,7 @@
           <a:bodyPr/>
           <a:lstStyle/>
           <a:p>
-            <a:fld id="{A0DF93D2-AC9B-4089-A83C-A9A6B1110EE7}" type="datetimeFigureOut">
+            <a:fld id="{172AB63D-BF6A-4651-8988-F87633188804}" type="datetimeFigureOut">
               <a:rPr lang="zh-CN" altLang="en-US" smtClean="0"/>
               <a:t>2024/3/10</a:t>
             </a:fld>
@@ -1962,7 +1962,7 @@
           <p:cNvPr id="4" name="页脚占位符 3">
             <a:extLst>
               <a:ext uri="{FF2B5EF4-FFF2-40B4-BE49-F238E27FC236}">
-                <a16:creationId xmlns:a16="http://schemas.microsoft.com/office/drawing/2014/main" id="{7149BF31-86B8-0B3E-08DB-0021920F8D1D}"/>
+                <a16:creationId xmlns:a16="http://schemas.microsoft.com/office/drawing/2014/main" id="{24D34F91-9D51-AA7C-ABCD-A0329CFF13EC}"/>
               </a:ext>
             </a:extLst>
           </p:cNvPr>
@@ -1987,7 +1987,7 @@
           <p:cNvPr id="5" name="灯片编号占位符 4">
             <a:extLst>
               <a:ext uri="{FF2B5EF4-FFF2-40B4-BE49-F238E27FC236}">
-                <a16:creationId xmlns:a16="http://schemas.microsoft.com/office/drawing/2014/main" id="{47644FC3-D802-B2B5-D121-004DDAC2017E}"/>
+                <a16:creationId xmlns:a16="http://schemas.microsoft.com/office/drawing/2014/main" id="{7C6DAA95-CAC8-B1F0-E3CD-3941C071A989}"/>
               </a:ext>
             </a:extLst>
           </p:cNvPr>
@@ -2003,7 +2003,7 @@
           <a:bodyPr/>
           <a:lstStyle/>
           <a:p>
-            <a:fld id="{30EFA65A-D9CB-49B0-9390-7DD899EC0064}" type="slidenum">
+            <a:fld id="{4EDE8EE9-6EE3-4166-9227-6EDEEDEE6D54}" type="slidenum">
               <a:rPr lang="zh-CN" altLang="en-US" smtClean="0"/>
               <a:t>‹#›</a:t>
             </a:fld>
@@ -2014,7 +2014,7 @@
     </p:spTree>
     <p:extLst>
       <p:ext uri="{BB962C8B-B14F-4D97-AF65-F5344CB8AC3E}">
-        <p14:creationId xmlns:p14="http://schemas.microsoft.com/office/powerpoint/2010/main" val="4267247259"/>
+        <p14:creationId xmlns:p14="http://schemas.microsoft.com/office/powerpoint/2010/main" val="895944475"/>
       </p:ext>
     </p:extLst>
   </p:cSld>
@@ -2046,7 +2046,7 @@
           <p:cNvPr id="2" name="日期占位符 1">
             <a:extLst>
               <a:ext uri="{FF2B5EF4-FFF2-40B4-BE49-F238E27FC236}">
-                <a16:creationId xmlns:a16="http://schemas.microsoft.com/office/drawing/2014/main" id="{91E110F6-6DEE-CF40-4070-1659C718CD7F}"/>
+                <a16:creationId xmlns:a16="http://schemas.microsoft.com/office/drawing/2014/main" id="{F870EF61-CFF4-3344-452D-203D852594A8}"/>
               </a:ext>
             </a:extLst>
           </p:cNvPr>
@@ -2062,7 +2062,7 @@
           <a:bodyPr/>
           <a:lstStyle/>
           <a:p>
-            <a:fld id="{A0DF93D2-AC9B-4089-A83C-A9A6B1110EE7}" type="datetimeFigureOut">
+            <a:fld id="{172AB63D-BF6A-4651-8988-F87633188804}" type="datetimeFigureOut">
               <a:rPr lang="zh-CN" altLang="en-US" smtClean="0"/>
               <a:t>2024/3/10</a:t>
             </a:fld>
@@ -2075,7 +2075,7 @@
           <p:cNvPr id="3" name="页脚占位符 2">
             <a:extLst>
               <a:ext uri="{FF2B5EF4-FFF2-40B4-BE49-F238E27FC236}">
-                <a16:creationId xmlns:a16="http://schemas.microsoft.com/office/drawing/2014/main" id="{060EB135-A3D7-D22F-FEB8-684DC69F5B10}"/>
+                <a16:creationId xmlns:a16="http://schemas.microsoft.com/office/drawing/2014/main" id="{6AA66180-012F-D392-AAF9-345EA61A84E0}"/>
               </a:ext>
             </a:extLst>
           </p:cNvPr>
@@ -2100,7 +2100,7 @@
           <p:cNvPr id="4" name="灯片编号占位符 3">
             <a:extLst>
               <a:ext uri="{FF2B5EF4-FFF2-40B4-BE49-F238E27FC236}">
-                <a16:creationId xmlns:a16="http://schemas.microsoft.com/office/drawing/2014/main" id="{EF43414A-13E6-CE6B-D60B-1D2D52C5F5AD}"/>
+                <a16:creationId xmlns:a16="http://schemas.microsoft.com/office/drawing/2014/main" id="{211AE2C6-4E29-9EA5-CB1F-0DF55AEF26EA}"/>
               </a:ext>
             </a:extLst>
           </p:cNvPr>
@@ -2116,7 +2116,7 @@
           <a:bodyPr/>
           <a:lstStyle/>
           <a:p>
-            <a:fld id="{30EFA65A-D9CB-49B0-9390-7DD899EC0064}" type="slidenum">
+            <a:fld id="{4EDE8EE9-6EE3-4166-9227-6EDEEDEE6D54}" type="slidenum">
               <a:rPr lang="zh-CN" altLang="en-US" smtClean="0"/>
               <a:t>‹#›</a:t>
             </a:fld>
@@ -2127,7 +2127,7 @@
     </p:spTree>
     <p:extLst>
       <p:ext uri="{BB962C8B-B14F-4D97-AF65-F5344CB8AC3E}">
-        <p14:creationId xmlns:p14="http://schemas.microsoft.com/office/powerpoint/2010/main" val="2940474848"/>
+        <p14:creationId xmlns:p14="http://schemas.microsoft.com/office/powerpoint/2010/main" val="2160723715"/>
       </p:ext>
     </p:extLst>
   </p:cSld>
@@ -2159,7 +2159,7 @@
           <p:cNvPr id="2" name="标题 1">
             <a:extLst>
               <a:ext uri="{FF2B5EF4-FFF2-40B4-BE49-F238E27FC236}">
-                <a16:creationId xmlns:a16="http://schemas.microsoft.com/office/drawing/2014/main" id="{0650EFDC-56D6-CE06-0247-19EE6D3A96E1}"/>
+                <a16:creationId xmlns:a16="http://schemas.microsoft.com/office/drawing/2014/main" id="{82F50E80-AE66-0397-E79C-9CF3290D1317}"/>
               </a:ext>
             </a:extLst>
           </p:cNvPr>
@@ -2196,7 +2196,7 @@
           <p:cNvPr id="3" name="内容占位符 2">
             <a:extLst>
               <a:ext uri="{FF2B5EF4-FFF2-40B4-BE49-F238E27FC236}">
-                <a16:creationId xmlns:a16="http://schemas.microsoft.com/office/drawing/2014/main" id="{A9C494B0-9E4B-9659-1B5E-2292D1A8D078}"/>
+                <a16:creationId xmlns:a16="http://schemas.microsoft.com/office/drawing/2014/main" id="{73F34651-BCAF-0FCD-1402-B54E248E340D}"/>
               </a:ext>
             </a:extLst>
           </p:cNvPr>
@@ -2286,7 +2286,7 @@
           <p:cNvPr id="4" name="文本占位符 3">
             <a:extLst>
               <a:ext uri="{FF2B5EF4-FFF2-40B4-BE49-F238E27FC236}">
-                <a16:creationId xmlns:a16="http://schemas.microsoft.com/office/drawing/2014/main" id="{8E897508-E04D-A96D-8A3C-D9666D1466AC}"/>
+                <a16:creationId xmlns:a16="http://schemas.microsoft.com/office/drawing/2014/main" id="{572F4548-FCCE-7DFD-F2C3-76BCFA9119DA}"/>
               </a:ext>
             </a:extLst>
           </p:cNvPr>
@@ -2357,7 +2357,7 @@
           <p:cNvPr id="5" name="日期占位符 4">
             <a:extLst>
               <a:ext uri="{FF2B5EF4-FFF2-40B4-BE49-F238E27FC236}">
-                <a16:creationId xmlns:a16="http://schemas.microsoft.com/office/drawing/2014/main" id="{B8AD7BBB-B523-EE3E-FF69-12087C87C0D8}"/>
+                <a16:creationId xmlns:a16="http://schemas.microsoft.com/office/drawing/2014/main" id="{0FEFAC77-5BE5-A6EF-67CD-A1B6AB202CDD}"/>
               </a:ext>
             </a:extLst>
           </p:cNvPr>
@@ -2373,7 +2373,7 @@
           <a:bodyPr/>
           <a:lstStyle/>
           <a:p>
-            <a:fld id="{A0DF93D2-AC9B-4089-A83C-A9A6B1110EE7}" type="datetimeFigureOut">
+            <a:fld id="{172AB63D-BF6A-4651-8988-F87633188804}" type="datetimeFigureOut">
               <a:rPr lang="zh-CN" altLang="en-US" smtClean="0"/>
               <a:t>2024/3/10</a:t>
             </a:fld>
@@ -2386,7 +2386,7 @@
           <p:cNvPr id="6" name="页脚占位符 5">
             <a:extLst>
               <a:ext uri="{FF2B5EF4-FFF2-40B4-BE49-F238E27FC236}">
-                <a16:creationId xmlns:a16="http://schemas.microsoft.com/office/drawing/2014/main" id="{FDB8BF0D-04C1-D399-DEE6-98A3D41D0ED7}"/>
+                <a16:creationId xmlns:a16="http://schemas.microsoft.com/office/drawing/2014/main" id="{22A7CAB9-06AD-CA0E-A690-C636A7EC5735}"/>
               </a:ext>
             </a:extLst>
           </p:cNvPr>
@@ -2411,7 +2411,7 @@
           <p:cNvPr id="7" name="灯片编号占位符 6">
             <a:extLst>
               <a:ext uri="{FF2B5EF4-FFF2-40B4-BE49-F238E27FC236}">
-                <a16:creationId xmlns:a16="http://schemas.microsoft.com/office/drawing/2014/main" id="{D40F462B-3613-103B-5981-B6853C705BC5}"/>
+                <a16:creationId xmlns:a16="http://schemas.microsoft.com/office/drawing/2014/main" id="{A60E24D2-02F8-743F-BECD-CA03A808B377}"/>
               </a:ext>
             </a:extLst>
           </p:cNvPr>
@@ -2427,7 +2427,7 @@
           <a:bodyPr/>
           <a:lstStyle/>
           <a:p>
-            <a:fld id="{30EFA65A-D9CB-49B0-9390-7DD899EC0064}" type="slidenum">
+            <a:fld id="{4EDE8EE9-6EE3-4166-9227-6EDEEDEE6D54}" type="slidenum">
               <a:rPr lang="zh-CN" altLang="en-US" smtClean="0"/>
               <a:t>‹#›</a:t>
             </a:fld>
@@ -2438,7 +2438,7 @@
     </p:spTree>
     <p:extLst>
       <p:ext uri="{BB962C8B-B14F-4D97-AF65-F5344CB8AC3E}">
-        <p14:creationId xmlns:p14="http://schemas.microsoft.com/office/powerpoint/2010/main" val="76804758"/>
+        <p14:creationId xmlns:p14="http://schemas.microsoft.com/office/powerpoint/2010/main" val="1688844486"/>
       </p:ext>
     </p:extLst>
   </p:cSld>
@@ -2470,7 +2470,7 @@
           <p:cNvPr id="2" name="标题 1">
             <a:extLst>
               <a:ext uri="{FF2B5EF4-FFF2-40B4-BE49-F238E27FC236}">
-                <a16:creationId xmlns:a16="http://schemas.microsoft.com/office/drawing/2014/main" id="{EEEB8C0D-F4C4-CF1E-C793-EFF89279EA26}"/>
+                <a16:creationId xmlns:a16="http://schemas.microsoft.com/office/drawing/2014/main" id="{04AA1A52-8E02-3000-E96D-776185C4EC6E}"/>
               </a:ext>
             </a:extLst>
           </p:cNvPr>
@@ -2507,7 +2507,7 @@
           <p:cNvPr id="3" name="图片占位符 2">
             <a:extLst>
               <a:ext uri="{FF2B5EF4-FFF2-40B4-BE49-F238E27FC236}">
-                <a16:creationId xmlns:a16="http://schemas.microsoft.com/office/drawing/2014/main" id="{C9BB470A-934A-7A2A-FF9C-43D969431CAF}"/>
+                <a16:creationId xmlns:a16="http://schemas.microsoft.com/office/drawing/2014/main" id="{09CA9506-50F7-B41B-C02A-0732B6D13F2D}"/>
               </a:ext>
             </a:extLst>
           </p:cNvPr>
@@ -2574,7 +2574,7 @@
           <p:cNvPr id="4" name="文本占位符 3">
             <a:extLst>
               <a:ext uri="{FF2B5EF4-FFF2-40B4-BE49-F238E27FC236}">
-                <a16:creationId xmlns:a16="http://schemas.microsoft.com/office/drawing/2014/main" id="{C324B74C-589A-393D-C229-2CB5A6DD732A}"/>
+                <a16:creationId xmlns:a16="http://schemas.microsoft.com/office/drawing/2014/main" id="{AD685B49-6CAA-8E2B-6CCC-D31D5D3F7FC2}"/>
               </a:ext>
             </a:extLst>
           </p:cNvPr>
@@ -2645,7 +2645,7 @@
           <p:cNvPr id="5" name="日期占位符 4">
             <a:extLst>
               <a:ext uri="{FF2B5EF4-FFF2-40B4-BE49-F238E27FC236}">
-                <a16:creationId xmlns:a16="http://schemas.microsoft.com/office/drawing/2014/main" id="{B83D7BB3-3947-F746-4B6A-955CEDAA9597}"/>
+                <a16:creationId xmlns:a16="http://schemas.microsoft.com/office/drawing/2014/main" id="{65EC6B9A-ABEF-AFD2-0E0C-6E528D2A75E9}"/>
               </a:ext>
             </a:extLst>
           </p:cNvPr>
@@ -2661,7 +2661,7 @@
           <a:bodyPr/>
           <a:lstStyle/>
           <a:p>
-            <a:fld id="{A0DF93D2-AC9B-4089-A83C-A9A6B1110EE7}" type="datetimeFigureOut">
+            <a:fld id="{172AB63D-BF6A-4651-8988-F87633188804}" type="datetimeFigureOut">
               <a:rPr lang="zh-CN" altLang="en-US" smtClean="0"/>
               <a:t>2024/3/10</a:t>
             </a:fld>
@@ -2674,7 +2674,7 @@
           <p:cNvPr id="6" name="页脚占位符 5">
             <a:extLst>
               <a:ext uri="{FF2B5EF4-FFF2-40B4-BE49-F238E27FC236}">
-                <a16:creationId xmlns:a16="http://schemas.microsoft.com/office/drawing/2014/main" id="{41393141-4ABB-64E1-A7A9-1BD0F81365A0}"/>
+                <a16:creationId xmlns:a16="http://schemas.microsoft.com/office/drawing/2014/main" id="{0F9F0725-6735-2B92-A6B8-B5A358264F58}"/>
               </a:ext>
             </a:extLst>
           </p:cNvPr>
@@ -2699,7 +2699,7 @@
           <p:cNvPr id="7" name="灯片编号占位符 6">
             <a:extLst>
               <a:ext uri="{FF2B5EF4-FFF2-40B4-BE49-F238E27FC236}">
-                <a16:creationId xmlns:a16="http://schemas.microsoft.com/office/drawing/2014/main" id="{A7F200A6-851A-4924-FE8C-398B5603F121}"/>
+                <a16:creationId xmlns:a16="http://schemas.microsoft.com/office/drawing/2014/main" id="{CA1A47D9-65DA-1156-2357-3B3EF2D63411}"/>
               </a:ext>
             </a:extLst>
           </p:cNvPr>
@@ -2715,7 +2715,7 @@
           <a:bodyPr/>
           <a:lstStyle/>
           <a:p>
-            <a:fld id="{30EFA65A-D9CB-49B0-9390-7DD899EC0064}" type="slidenum">
+            <a:fld id="{4EDE8EE9-6EE3-4166-9227-6EDEEDEE6D54}" type="slidenum">
               <a:rPr lang="zh-CN" altLang="en-US" smtClean="0"/>
               <a:t>‹#›</a:t>
             </a:fld>
@@ -2726,7 +2726,7 @@
     </p:spTree>
     <p:extLst>
       <p:ext uri="{BB962C8B-B14F-4D97-AF65-F5344CB8AC3E}">
-        <p14:creationId xmlns:p14="http://schemas.microsoft.com/office/powerpoint/2010/main" val="1460642875"/>
+        <p14:creationId xmlns:p14="http://schemas.microsoft.com/office/powerpoint/2010/main" val="502889647"/>
       </p:ext>
     </p:extLst>
   </p:cSld>
@@ -2763,7 +2763,7 @@
           <p:cNvPr id="2" name="标题占位符 1">
             <a:extLst>
               <a:ext uri="{FF2B5EF4-FFF2-40B4-BE49-F238E27FC236}">
-                <a16:creationId xmlns:a16="http://schemas.microsoft.com/office/drawing/2014/main" id="{E5E97C89-D200-3CE0-7723-A89DE32D54CB}"/>
+                <a16:creationId xmlns:a16="http://schemas.microsoft.com/office/drawing/2014/main" id="{BA3B6B38-BFBA-97A4-308E-2D21B27D16D0}"/>
               </a:ext>
             </a:extLst>
           </p:cNvPr>
@@ -2801,7 +2801,7 @@
           <p:cNvPr id="3" name="文本占位符 2">
             <a:extLst>
               <a:ext uri="{FF2B5EF4-FFF2-40B4-BE49-F238E27FC236}">
-                <a16:creationId xmlns:a16="http://schemas.microsoft.com/office/drawing/2014/main" id="{C2F0136C-3F85-9951-7A71-C4DFCF4B94B8}"/>
+                <a16:creationId xmlns:a16="http://schemas.microsoft.com/office/drawing/2014/main" id="{635F1CE5-6B9E-ADE6-0E4F-68425C224EE3}"/>
               </a:ext>
             </a:extLst>
           </p:cNvPr>
@@ -2868,7 +2868,7 @@
           <p:cNvPr id="4" name="日期占位符 3">
             <a:extLst>
               <a:ext uri="{FF2B5EF4-FFF2-40B4-BE49-F238E27FC236}">
-                <a16:creationId xmlns:a16="http://schemas.microsoft.com/office/drawing/2014/main" id="{DD1CBBBC-3160-3A72-4908-423F38062BE7}"/>
+                <a16:creationId xmlns:a16="http://schemas.microsoft.com/office/drawing/2014/main" id="{9570608B-6373-B9C5-36AA-43EB207EADFB}"/>
               </a:ext>
             </a:extLst>
           </p:cNvPr>
@@ -2902,7 +2902,7 @@
             </a:lvl1pPr>
           </a:lstStyle>
           <a:p>
-            <a:fld id="{A0DF93D2-AC9B-4089-A83C-A9A6B1110EE7}" type="datetimeFigureOut">
+            <a:fld id="{172AB63D-BF6A-4651-8988-F87633188804}" type="datetimeFigureOut">
               <a:rPr lang="zh-CN" altLang="en-US" smtClean="0"/>
               <a:t>2024/3/10</a:t>
             </a:fld>
@@ -2915,7 +2915,7 @@
           <p:cNvPr id="5" name="页脚占位符 4">
             <a:extLst>
               <a:ext uri="{FF2B5EF4-FFF2-40B4-BE49-F238E27FC236}">
-                <a16:creationId xmlns:a16="http://schemas.microsoft.com/office/drawing/2014/main" id="{97720497-8811-713D-D823-5EBF46B8150A}"/>
+                <a16:creationId xmlns:a16="http://schemas.microsoft.com/office/drawing/2014/main" id="{B6F69744-9221-F7F2-C94C-AFC1B974A542}"/>
               </a:ext>
             </a:extLst>
           </p:cNvPr>
@@ -2958,7 +2958,7 @@
           <p:cNvPr id="6" name="灯片编号占位符 5">
             <a:extLst>
               <a:ext uri="{FF2B5EF4-FFF2-40B4-BE49-F238E27FC236}">
-                <a16:creationId xmlns:a16="http://schemas.microsoft.com/office/drawing/2014/main" id="{7F5AFACA-23CE-1B27-BDEB-6DA2F4419236}"/>
+                <a16:creationId xmlns:a16="http://schemas.microsoft.com/office/drawing/2014/main" id="{186FE1AB-4FE3-D197-D000-1E4EC4831223}"/>
               </a:ext>
             </a:extLst>
           </p:cNvPr>
@@ -2992,7 +2992,7 @@
             </a:lvl1pPr>
           </a:lstStyle>
           <a:p>
-            <a:fld id="{30EFA65A-D9CB-49B0-9390-7DD899EC0064}" type="slidenum">
+            <a:fld id="{4EDE8EE9-6EE3-4166-9227-6EDEEDEE6D54}" type="slidenum">
               <a:rPr lang="zh-CN" altLang="en-US" smtClean="0"/>
               <a:t>‹#›</a:t>
             </a:fld>
@@ -3003,7 +3003,7 @@
     </p:spTree>
     <p:extLst>
       <p:ext uri="{BB962C8B-B14F-4D97-AF65-F5344CB8AC3E}">
-        <p14:creationId xmlns:p14="http://schemas.microsoft.com/office/powerpoint/2010/main" val="51546603"/>
+        <p14:creationId xmlns:p14="http://schemas.microsoft.com/office/powerpoint/2010/main" val="164705121"/>
       </p:ext>
     </p:extLst>
   </p:cSld>
